--- a/AttentionInBinocularRivalry_Project.pptx
+++ b/AttentionInBinocularRivalry_Project.pptx
@@ -14,9 +14,10 @@
     <p:sldId id="276" r:id="rId8"/>
     <p:sldId id="278" r:id="rId9"/>
     <p:sldId id="277" r:id="rId10"/>
-    <p:sldId id="283" r:id="rId11"/>
-    <p:sldId id="282" r:id="rId12"/>
-    <p:sldId id="279" r:id="rId13"/>
+    <p:sldId id="284" r:id="rId11"/>
+    <p:sldId id="285" r:id="rId12"/>
+    <p:sldId id="282" r:id="rId13"/>
+    <p:sldId id="279" r:id="rId14"/>
   </p:sldIdLst>
   <p:sldSz cx="9144000" cy="6858000" type="screen4x3"/>
   <p:notesSz cx="6858000" cy="9144000"/>
@@ -259,7 +260,7 @@
           <a:p>
             <a:fld id="{A4D49A75-32FE-4C9A-A6BA-C42EBCAC6AD0}" type="datetimeFigureOut">
               <a:rPr lang="en-US" smtClean="0"/>
-              <a:t>7/31/20</a:t>
+              <a:t>2020-07-31</a:t>
             </a:fld>
             <a:endParaRPr lang="en-US"/>
           </a:p>
@@ -301,7 +302,7 @@
           <a:p>
             <a:fld id="{BF022892-4D7A-484D-BD3B-6A575BA3A151}" type="slidenum">
               <a:rPr lang="en-US" smtClean="0"/>
-              <a:t>‹Nr.›</a:t>
+              <a:t>‹#›</a:t>
             </a:fld>
             <a:endParaRPr lang="en-US"/>
           </a:p>
@@ -450,7 +451,7 @@
           <a:p>
             <a:fld id="{A4D49A75-32FE-4C9A-A6BA-C42EBCAC6AD0}" type="datetimeFigureOut">
               <a:rPr lang="en-US" smtClean="0"/>
-              <a:t>7/31/20</a:t>
+              <a:t>2020-07-31</a:t>
             </a:fld>
             <a:endParaRPr lang="en-US"/>
           </a:p>
@@ -492,7 +493,7 @@
           <a:p>
             <a:fld id="{BF022892-4D7A-484D-BD3B-6A575BA3A151}" type="slidenum">
               <a:rPr lang="en-US" smtClean="0"/>
-              <a:t>‹Nr.›</a:t>
+              <a:t>‹#›</a:t>
             </a:fld>
             <a:endParaRPr lang="en-US"/>
           </a:p>
@@ -628,7 +629,7 @@
           <a:p>
             <a:fld id="{A4D49A75-32FE-4C9A-A6BA-C42EBCAC6AD0}" type="datetimeFigureOut">
               <a:rPr lang="en-US" smtClean="0"/>
-              <a:t>7/31/20</a:t>
+              <a:t>2020-07-31</a:t>
             </a:fld>
             <a:endParaRPr lang="en-US"/>
           </a:p>
@@ -670,7 +671,7 @@
           <a:p>
             <a:fld id="{BF022892-4D7A-484D-BD3B-6A575BA3A151}" type="slidenum">
               <a:rPr lang="en-US" smtClean="0"/>
-              <a:t>‹Nr.›</a:t>
+              <a:t>‹#›</a:t>
             </a:fld>
             <a:endParaRPr lang="en-US"/>
           </a:p>
@@ -868,7 +869,7 @@
           <a:p>
             <a:fld id="{A4D49A75-32FE-4C9A-A6BA-C42EBCAC6AD0}" type="datetimeFigureOut">
               <a:rPr lang="en-US" smtClean="0"/>
-              <a:t>7/31/20</a:t>
+              <a:t>2020-07-31</a:t>
             </a:fld>
             <a:endParaRPr lang="en-US"/>
           </a:p>
@@ -910,7 +911,7 @@
           <a:p>
             <a:fld id="{BF022892-4D7A-484D-BD3B-6A575BA3A151}" type="slidenum">
               <a:rPr lang="en-US" smtClean="0"/>
-              <a:t>‹Nr.›</a:t>
+              <a:t>‹#›</a:t>
             </a:fld>
             <a:endParaRPr lang="en-US"/>
           </a:p>
@@ -1113,7 +1114,7 @@
           <a:p>
             <a:fld id="{A4D49A75-32FE-4C9A-A6BA-C42EBCAC6AD0}" type="datetimeFigureOut">
               <a:rPr lang="en-US" smtClean="0"/>
-              <a:t>7/31/20</a:t>
+              <a:t>2020-07-31</a:t>
             </a:fld>
             <a:endParaRPr lang="en-US"/>
           </a:p>
@@ -1155,7 +1156,7 @@
           <a:p>
             <a:fld id="{BF022892-4D7A-484D-BD3B-6A575BA3A151}" type="slidenum">
               <a:rPr lang="en-US" smtClean="0"/>
-              <a:t>‹Nr.›</a:t>
+              <a:t>‹#›</a:t>
             </a:fld>
             <a:endParaRPr lang="en-US"/>
           </a:p>
@@ -1398,7 +1399,7 @@
           <a:p>
             <a:fld id="{A4D49A75-32FE-4C9A-A6BA-C42EBCAC6AD0}" type="datetimeFigureOut">
               <a:rPr lang="en-US" smtClean="0"/>
-              <a:t>7/31/20</a:t>
+              <a:t>2020-07-31</a:t>
             </a:fld>
             <a:endParaRPr lang="en-US"/>
           </a:p>
@@ -1440,7 +1441,7 @@
           <a:p>
             <a:fld id="{BF022892-4D7A-484D-BD3B-6A575BA3A151}" type="slidenum">
               <a:rPr lang="en-US" smtClean="0"/>
-              <a:t>‹Nr.›</a:t>
+              <a:t>‹#›</a:t>
             </a:fld>
             <a:endParaRPr lang="en-US"/>
           </a:p>
@@ -1817,7 +1818,7 @@
           <a:p>
             <a:fld id="{A4D49A75-32FE-4C9A-A6BA-C42EBCAC6AD0}" type="datetimeFigureOut">
               <a:rPr lang="en-US" smtClean="0"/>
-              <a:t>7/31/20</a:t>
+              <a:t>2020-07-31</a:t>
             </a:fld>
             <a:endParaRPr lang="en-US"/>
           </a:p>
@@ -1859,7 +1860,7 @@
           <a:p>
             <a:fld id="{BF022892-4D7A-484D-BD3B-6A575BA3A151}" type="slidenum">
               <a:rPr lang="en-US" smtClean="0"/>
-              <a:t>‹Nr.›</a:t>
+              <a:t>‹#›</a:t>
             </a:fld>
             <a:endParaRPr lang="en-US"/>
           </a:p>
@@ -1934,7 +1935,7 @@
           <a:p>
             <a:fld id="{A4D49A75-32FE-4C9A-A6BA-C42EBCAC6AD0}" type="datetimeFigureOut">
               <a:rPr lang="en-US" smtClean="0"/>
-              <a:t>7/31/20</a:t>
+              <a:t>2020-07-31</a:t>
             </a:fld>
             <a:endParaRPr lang="en-US"/>
           </a:p>
@@ -1976,7 +1977,7 @@
           <a:p>
             <a:fld id="{BF022892-4D7A-484D-BD3B-6A575BA3A151}" type="slidenum">
               <a:rPr lang="en-US" smtClean="0"/>
-              <a:t>‹Nr.›</a:t>
+              <a:t>‹#›</a:t>
             </a:fld>
             <a:endParaRPr lang="en-US"/>
           </a:p>
@@ -2029,7 +2030,7 @@
           <a:p>
             <a:fld id="{A4D49A75-32FE-4C9A-A6BA-C42EBCAC6AD0}" type="datetimeFigureOut">
               <a:rPr lang="en-US" smtClean="0"/>
-              <a:t>7/31/20</a:t>
+              <a:t>2020-07-31</a:t>
             </a:fld>
             <a:endParaRPr lang="en-US"/>
           </a:p>
@@ -2071,7 +2072,7 @@
           <a:p>
             <a:fld id="{BF022892-4D7A-484D-BD3B-6A575BA3A151}" type="slidenum">
               <a:rPr lang="en-US" smtClean="0"/>
-              <a:t>‹Nr.›</a:t>
+              <a:t>‹#›</a:t>
             </a:fld>
             <a:endParaRPr lang="en-US"/>
           </a:p>
@@ -2304,7 +2305,7 @@
           <a:p>
             <a:fld id="{A4D49A75-32FE-4C9A-A6BA-C42EBCAC6AD0}" type="datetimeFigureOut">
               <a:rPr lang="en-US" smtClean="0"/>
-              <a:t>7/31/20</a:t>
+              <a:t>2020-07-31</a:t>
             </a:fld>
             <a:endParaRPr lang="en-US"/>
           </a:p>
@@ -2346,7 +2347,7 @@
           <a:p>
             <a:fld id="{BF022892-4D7A-484D-BD3B-6A575BA3A151}" type="slidenum">
               <a:rPr lang="en-US" smtClean="0"/>
-              <a:t>‹Nr.›</a:t>
+              <a:t>‹#›</a:t>
             </a:fld>
             <a:endParaRPr lang="en-US"/>
           </a:p>
@@ -2556,7 +2557,7 @@
           <a:p>
             <a:fld id="{A4D49A75-32FE-4C9A-A6BA-C42EBCAC6AD0}" type="datetimeFigureOut">
               <a:rPr lang="en-US" smtClean="0"/>
-              <a:t>7/31/20</a:t>
+              <a:t>2020-07-31</a:t>
             </a:fld>
             <a:endParaRPr lang="en-US"/>
           </a:p>
@@ -2598,7 +2599,7 @@
           <a:p>
             <a:fld id="{BF022892-4D7A-484D-BD3B-6A575BA3A151}" type="slidenum">
               <a:rPr lang="en-US" smtClean="0"/>
-              <a:t>‹Nr.›</a:t>
+              <a:t>‹#›</a:t>
             </a:fld>
             <a:endParaRPr lang="en-US"/>
           </a:p>
@@ -2767,7 +2768,7 @@
           <a:p>
             <a:fld id="{A4D49A75-32FE-4C9A-A6BA-C42EBCAC6AD0}" type="datetimeFigureOut">
               <a:rPr lang="en-US" smtClean="0"/>
-              <a:t>7/31/20</a:t>
+              <a:t>2020-07-31</a:t>
             </a:fld>
             <a:endParaRPr lang="en-US"/>
           </a:p>
@@ -2845,7 +2846,7 @@
           <a:p>
             <a:fld id="{BF022892-4D7A-484D-BD3B-6A575BA3A151}" type="slidenum">
               <a:rPr lang="en-US" smtClean="0"/>
-              <a:t>‹Nr.›</a:t>
+              <a:t>‹#›</a:t>
             </a:fld>
             <a:endParaRPr lang="en-US"/>
           </a:p>
@@ -3351,7 +3352,7 @@
           <p:nvPr/>
         </p:nvPicPr>
         <p:blipFill>
-          <a:blip r:embed="rId2">
+          <a:blip r:embed="rId2" cstate="print">
             <a:extLst>
               <a:ext uri="{28A0092B-C50C-407E-A947-70E740481C1C}">
                 <a14:useLocalDpi xmlns:a14="http://schemas.microsoft.com/office/drawing/2010/main" val="0"/>
@@ -3586,12 +3587,139 @@
           <a:chExt cx="0" cy="0"/>
         </a:xfrm>
       </p:grpSpPr>
+      <p:pic>
+        <p:nvPicPr>
+          <p:cNvPr id="6" name="Picture 5">
+            <a:extLst>
+              <a:ext uri="{FF2B5EF4-FFF2-40B4-BE49-F238E27FC236}">
+                <a16:creationId xmlns:a16="http://schemas.microsoft.com/office/drawing/2014/main" id="{55EC2684-1E2E-4BA4-B133-4C317903F4FA}"/>
+              </a:ext>
+            </a:extLst>
+          </p:cNvPr>
+          <p:cNvPicPr>
+            <a:picLocks noChangeAspect="1"/>
+          </p:cNvPicPr>
+          <p:nvPr/>
+        </p:nvPicPr>
+        <p:blipFill>
+          <a:blip r:embed="rId2">
+            <a:extLst>
+              <a:ext uri="{28A0092B-C50C-407E-A947-70E740481C1C}">
+                <a14:useLocalDpi xmlns:a14="http://schemas.microsoft.com/office/drawing/2010/main" val="0"/>
+              </a:ext>
+            </a:extLst>
+          </a:blip>
+          <a:srcRect/>
+          <a:stretch/>
+        </p:blipFill>
+        <p:spPr>
+          <a:xfrm>
+            <a:off x="-5791200" y="4059715"/>
+            <a:ext cx="5596570" cy="2798285"/>
+          </a:xfrm>
+          <a:prstGeom prst="rect">
+            <a:avLst/>
+          </a:prstGeom>
+        </p:spPr>
+      </p:pic>
       <p:sp>
         <p:nvSpPr>
-          <p:cNvPr id="2" name="Titel 1">
+          <p:cNvPr id="15" name="Rectangle 14">
             <a:extLst>
               <a:ext uri="{FF2B5EF4-FFF2-40B4-BE49-F238E27FC236}">
-                <a16:creationId xmlns:a16="http://schemas.microsoft.com/office/drawing/2014/main" id="{813A2209-D7EF-D146-9793-C6C5FC4AD11D}"/>
+                <a16:creationId xmlns:a16="http://schemas.microsoft.com/office/drawing/2014/main" id="{D1EBFB85-1065-4309-9B74-0E51CD318746}"/>
+              </a:ext>
+            </a:extLst>
+          </p:cNvPr>
+          <p:cNvSpPr/>
+          <p:nvPr/>
+        </p:nvSpPr>
+        <p:spPr>
+          <a:xfrm>
+            <a:off x="9413775" y="2079396"/>
+            <a:ext cx="2819400" cy="4191000"/>
+          </a:xfrm>
+          <a:prstGeom prst="rect">
+            <a:avLst/>
+          </a:prstGeom>
+          <a:noFill/>
+          <a:ln>
+            <a:solidFill>
+              <a:schemeClr val="bg1">
+                <a:lumMod val="50000"/>
+              </a:schemeClr>
+            </a:solidFill>
+          </a:ln>
+        </p:spPr>
+        <p:style>
+          <a:lnRef idx="2">
+            <a:schemeClr val="accent1">
+              <a:shade val="50000"/>
+            </a:schemeClr>
+          </a:lnRef>
+          <a:fillRef idx="1">
+            <a:schemeClr val="accent1"/>
+          </a:fillRef>
+          <a:effectRef idx="0">
+            <a:schemeClr val="accent1"/>
+          </a:effectRef>
+          <a:fontRef idx="minor">
+            <a:schemeClr val="lt1"/>
+          </a:fontRef>
+        </p:style>
+        <p:txBody>
+          <a:bodyPr rtlCol="0" anchor="ctr"/>
+          <a:lstStyle/>
+          <a:p>
+            <a:r>
+              <a:rPr lang="en-DE" sz="1600" b="1" dirty="0">
+                <a:solidFill>
+                  <a:schemeClr val="tx1"/>
+                </a:solidFill>
+              </a:rPr>
+              <a:t>Conclusion:</a:t>
+            </a:r>
+          </a:p>
+          <a:p>
+            <a:r>
+              <a:rPr lang="en-DE" sz="1600" dirty="0">
+                <a:solidFill>
+                  <a:schemeClr val="tx1"/>
+                </a:solidFill>
+              </a:rPr>
+              <a:t>Adding differential external input to the attention neurons prolongs dominance periods of the excited representation, while reducing the duration for the inhibited representation, over the entire network. </a:t>
+            </a:r>
+          </a:p>
+          <a:p>
+            <a:endParaRPr lang="en-DE" sz="1600" dirty="0">
+              <a:solidFill>
+                <a:schemeClr val="tx1"/>
+              </a:solidFill>
+            </a:endParaRPr>
+          </a:p>
+          <a:p>
+            <a:r>
+              <a:rPr lang="en-DE" sz="1600" dirty="0">
+                <a:solidFill>
+                  <a:schemeClr val="tx1"/>
+                </a:solidFill>
+              </a:rPr>
+              <a:t>This holds for additional inputs with a strength of up to ~12.4% of the maximum excitatory drive by summation neurons to the attention neurons. For stronger inputs the excited representation becomes persistent.</a:t>
+            </a:r>
+            <a:endParaRPr lang="en-US" sz="1600" dirty="0">
+              <a:solidFill>
+                <a:schemeClr val="tx1"/>
+              </a:solidFill>
+            </a:endParaRPr>
+          </a:p>
+        </p:txBody>
+      </p:sp>
+      <p:sp>
+        <p:nvSpPr>
+          <p:cNvPr id="17" name="Title 470">
+            <a:extLst>
+              <a:ext uri="{FF2B5EF4-FFF2-40B4-BE49-F238E27FC236}">
+                <a16:creationId xmlns:a16="http://schemas.microsoft.com/office/drawing/2014/main" id="{C3851D02-0E35-430F-A0E0-B74B52FD6567}"/>
               </a:ext>
             </a:extLst>
           </p:cNvPr>
@@ -3602,44 +3730,311 @@
             <p:ph type="title"/>
           </p:nvPr>
         </p:nvSpPr>
-        <p:spPr/>
+        <p:spPr>
+          <a:xfrm>
+            <a:off x="5" y="3611"/>
+            <a:ext cx="9143990" cy="1105616"/>
+          </a:xfrm>
+        </p:spPr>
         <p:txBody>
-          <a:bodyPr/>
+          <a:bodyPr>
+            <a:normAutofit/>
+          </a:bodyPr>
           <a:lstStyle/>
           <a:p>
-            <a:endParaRPr lang="de-DE"/>
+            <a:r>
+              <a:rPr lang="en-DE" b="1" dirty="0"/>
+              <a:t>Model Alteration I:</a:t>
+            </a:r>
+            <a:br>
+              <a:rPr lang="en-DE" b="1" dirty="0"/>
+            </a:br>
+            <a:r>
+              <a:rPr lang="en-US" b="1" dirty="0"/>
+              <a:t>E</a:t>
+            </a:r>
+            <a:r>
+              <a:rPr lang="en-DE" b="1" dirty="0" err="1"/>
+              <a:t>xternal</a:t>
+            </a:r>
+            <a:r>
+              <a:rPr lang="en-DE" b="1" dirty="0"/>
+              <a:t> </a:t>
+            </a:r>
+            <a:r>
+              <a:rPr lang="en-US" b="1" dirty="0"/>
+              <a:t>input to </a:t>
+            </a:r>
+            <a:r>
+              <a:rPr lang="de-DE" b="1" dirty="0" err="1"/>
+              <a:t>attention</a:t>
+            </a:r>
+            <a:r>
+              <a:rPr lang="de-DE" b="1" dirty="0"/>
+              <a:t> </a:t>
+            </a:r>
+            <a:r>
+              <a:rPr lang="de-DE" b="1" dirty="0" err="1"/>
+              <a:t>population</a:t>
+            </a:r>
+            <a:endParaRPr lang="en-DE" dirty="0"/>
           </a:p>
         </p:txBody>
       </p:sp>
-      <p:sp>
-        <p:nvSpPr>
-          <p:cNvPr id="3" name="Inhaltsplatzhalter 2">
+      <p:pic>
+        <p:nvPicPr>
+          <p:cNvPr id="5" name="Picture 4">
             <a:extLst>
               <a:ext uri="{FF2B5EF4-FFF2-40B4-BE49-F238E27FC236}">
-                <a16:creationId xmlns:a16="http://schemas.microsoft.com/office/drawing/2014/main" id="{176BD924-79E0-0C4A-8CE2-AAD5F47B9397}"/>
+                <a16:creationId xmlns:a16="http://schemas.microsoft.com/office/drawing/2014/main" id="{E126AADB-C26C-4130-93EC-61B926F8FB99}"/>
               </a:ext>
             </a:extLst>
           </p:cNvPr>
-          <p:cNvSpPr>
-            <a:spLocks noGrp="1"/>
-          </p:cNvSpPr>
-          <p:nvPr>
-            <p:ph idx="1"/>
-          </p:nvPr>
-        </p:nvSpPr>
-        <p:spPr/>
-        <p:txBody>
-          <a:bodyPr/>
-          <a:lstStyle/>
-          <a:p>
-            <a:endParaRPr lang="de-DE"/>
-          </a:p>
-        </p:txBody>
-      </p:sp>
+          <p:cNvPicPr>
+            <a:picLocks noChangeAspect="1"/>
+          </p:cNvPicPr>
+          <p:nvPr/>
+        </p:nvPicPr>
+        <p:blipFill rotWithShape="1">
+          <a:blip r:embed="rId3">
+            <a:extLst>
+              <a:ext uri="{28A0092B-C50C-407E-A947-70E740481C1C}">
+                <a14:useLocalDpi xmlns:a14="http://schemas.microsoft.com/office/drawing/2010/main" val="0"/>
+              </a:ext>
+            </a:extLst>
+          </a:blip>
+          <a:srcRect r="25149"/>
+          <a:stretch/>
+        </p:blipFill>
+        <p:spPr>
+          <a:xfrm>
+            <a:off x="252320" y="1447800"/>
+            <a:ext cx="4561520" cy="1545289"/>
+          </a:xfrm>
+          <a:prstGeom prst="rect">
+            <a:avLst/>
+          </a:prstGeom>
+        </p:spPr>
+      </p:pic>
+      <p:pic>
+        <p:nvPicPr>
+          <p:cNvPr id="9" name="Picture 8" descr="A close up of a mans face&#10;&#10;Description automatically generated">
+            <a:extLst>
+              <a:ext uri="{FF2B5EF4-FFF2-40B4-BE49-F238E27FC236}">
+                <a16:creationId xmlns:a16="http://schemas.microsoft.com/office/drawing/2014/main" id="{8778EE4D-9BD4-4100-898A-CD47B601D4D0}"/>
+              </a:ext>
+            </a:extLst>
+          </p:cNvPr>
+          <p:cNvPicPr>
+            <a:picLocks noChangeAspect="1"/>
+          </p:cNvPicPr>
+          <p:nvPr/>
+        </p:nvPicPr>
+        <p:blipFill rotWithShape="1">
+          <a:blip r:embed="rId4">
+            <a:extLst>
+              <a:ext uri="{28A0092B-C50C-407E-A947-70E740481C1C}">
+                <a14:useLocalDpi xmlns:a14="http://schemas.microsoft.com/office/drawing/2010/main" val="0"/>
+              </a:ext>
+            </a:extLst>
+          </a:blip>
+          <a:srcRect r="25149"/>
+          <a:stretch/>
+        </p:blipFill>
+        <p:spPr>
+          <a:xfrm>
+            <a:off x="252319" y="3347901"/>
+            <a:ext cx="4561520" cy="1557332"/>
+          </a:xfrm>
+          <a:prstGeom prst="rect">
+            <a:avLst/>
+          </a:prstGeom>
+        </p:spPr>
+      </p:pic>
+      <p:pic>
+        <p:nvPicPr>
+          <p:cNvPr id="11" name="Picture 10" descr="A screenshot of a cell phone&#10;&#10;Description automatically generated">
+            <a:extLst>
+              <a:ext uri="{FF2B5EF4-FFF2-40B4-BE49-F238E27FC236}">
+                <a16:creationId xmlns:a16="http://schemas.microsoft.com/office/drawing/2014/main" id="{5B682E64-860C-4D8B-8BD1-68118E0FAB0F}"/>
+              </a:ext>
+            </a:extLst>
+          </p:cNvPr>
+          <p:cNvPicPr>
+            <a:picLocks noChangeAspect="1"/>
+          </p:cNvPicPr>
+          <p:nvPr/>
+        </p:nvPicPr>
+        <p:blipFill rotWithShape="1">
+          <a:blip r:embed="rId5">
+            <a:extLst>
+              <a:ext uri="{28A0092B-C50C-407E-A947-70E740481C1C}">
+                <a14:useLocalDpi xmlns:a14="http://schemas.microsoft.com/office/drawing/2010/main" val="0"/>
+              </a:ext>
+            </a:extLst>
+          </a:blip>
+          <a:srcRect r="25298"/>
+          <a:stretch/>
+        </p:blipFill>
+        <p:spPr>
+          <a:xfrm>
+            <a:off x="252919" y="4940863"/>
+            <a:ext cx="4552393" cy="1554227"/>
+          </a:xfrm>
+          <a:prstGeom prst="rect">
+            <a:avLst/>
+          </a:prstGeom>
+        </p:spPr>
+      </p:pic>
+      <p:pic>
+        <p:nvPicPr>
+          <p:cNvPr id="14" name="Picture 13" descr="A close up of text on a white background&#10;&#10;Description automatically generated">
+            <a:extLst>
+              <a:ext uri="{FF2B5EF4-FFF2-40B4-BE49-F238E27FC236}">
+                <a16:creationId xmlns:a16="http://schemas.microsoft.com/office/drawing/2014/main" id="{E9A37CF6-7D95-4B96-8E99-1B6EC30ED783}"/>
+              </a:ext>
+            </a:extLst>
+          </p:cNvPr>
+          <p:cNvPicPr>
+            <a:picLocks noChangeAspect="1"/>
+          </p:cNvPicPr>
+          <p:nvPr/>
+        </p:nvPicPr>
+        <p:blipFill rotWithShape="1">
+          <a:blip r:embed="rId6">
+            <a:extLst>
+              <a:ext uri="{28A0092B-C50C-407E-A947-70E740481C1C}">
+                <a14:useLocalDpi xmlns:a14="http://schemas.microsoft.com/office/drawing/2010/main" val="0"/>
+              </a:ext>
+            </a:extLst>
+          </a:blip>
+          <a:srcRect l="86083" t="78354" r="4890" b="12896"/>
+          <a:stretch/>
+        </p:blipFill>
+        <p:spPr>
+          <a:xfrm>
+            <a:off x="4800600" y="1560822"/>
+            <a:ext cx="686023" cy="369396"/>
+          </a:xfrm>
+          <a:prstGeom prst="rect">
+            <a:avLst/>
+          </a:prstGeom>
+        </p:spPr>
+      </p:pic>
+      <p:pic>
+        <p:nvPicPr>
+          <p:cNvPr id="18" name="Picture 17" descr="A close up of a map&#10;&#10;Description automatically generated">
+            <a:extLst>
+              <a:ext uri="{FF2B5EF4-FFF2-40B4-BE49-F238E27FC236}">
+                <a16:creationId xmlns:a16="http://schemas.microsoft.com/office/drawing/2014/main" id="{FFD6D46B-0C14-40A5-BAFE-61C98D4FD78A}"/>
+              </a:ext>
+            </a:extLst>
+          </p:cNvPr>
+          <p:cNvPicPr>
+            <a:picLocks noChangeAspect="1"/>
+          </p:cNvPicPr>
+          <p:nvPr/>
+        </p:nvPicPr>
+        <p:blipFill>
+          <a:blip r:embed="rId7" cstate="print">
+            <a:extLst>
+              <a:ext uri="{28A0092B-C50C-407E-A947-70E740481C1C}">
+                <a14:useLocalDpi xmlns:a14="http://schemas.microsoft.com/office/drawing/2010/main" val="0"/>
+              </a:ext>
+            </a:extLst>
+          </a:blip>
+          <a:stretch>
+            <a:fillRect/>
+          </a:stretch>
+        </p:blipFill>
+        <p:spPr>
+          <a:xfrm>
+            <a:off x="5062534" y="5105400"/>
+            <a:ext cx="4038600" cy="1615440"/>
+          </a:xfrm>
+          <a:prstGeom prst="rect">
+            <a:avLst/>
+          </a:prstGeom>
+        </p:spPr>
+      </p:pic>
+      <p:pic>
+        <p:nvPicPr>
+          <p:cNvPr id="21" name="Picture 3" descr="C:\Users\kkaduk\Desktop\Kristin\GitHub\neuromatch_project\plots\example_plots\simulation_ext_attention_drive_[0.060,-0.060].png">
+            <a:extLst>
+              <a:ext uri="{FF2B5EF4-FFF2-40B4-BE49-F238E27FC236}">
+                <a16:creationId xmlns:a16="http://schemas.microsoft.com/office/drawing/2014/main" id="{332D8F04-620A-484B-816B-AEEE4BD2421F}"/>
+              </a:ext>
+            </a:extLst>
+          </p:cNvPr>
+          <p:cNvPicPr>
+            <a:picLocks noChangeAspect="1" noChangeArrowheads="1"/>
+          </p:cNvPicPr>
+          <p:nvPr/>
+        </p:nvPicPr>
+        <p:blipFill rotWithShape="1">
+          <a:blip r:embed="rId8" cstate="print">
+            <a:extLst>
+              <a:ext uri="{28A0092B-C50C-407E-A947-70E740481C1C}">
+                <a14:useLocalDpi xmlns:a14="http://schemas.microsoft.com/office/drawing/2010/main" val="0"/>
+              </a:ext>
+            </a:extLst>
+          </a:blip>
+          <a:srcRect l="9375" t="67647" r="26538" b="29171"/>
+          <a:stretch/>
+        </p:blipFill>
+        <p:spPr bwMode="auto">
+          <a:xfrm>
+            <a:off x="647704" y="6436104"/>
+            <a:ext cx="4071937" cy="112333"/>
+          </a:xfrm>
+          <a:prstGeom prst="rect">
+            <a:avLst/>
+          </a:prstGeom>
+          <a:noFill/>
+          <a:extLst>
+            <a:ext uri="{909E8E84-426E-40DD-AFC4-6F175D3DCCD1}">
+              <a14:hiddenFill xmlns:a14="http://schemas.microsoft.com/office/drawing/2010/main">
+                <a:solidFill>
+                  <a:srgbClr val="FFFFFF"/>
+                </a:solidFill>
+              </a14:hiddenFill>
+            </a:ext>
+          </a:extLst>
+        </p:spPr>
+      </p:pic>
+      <p:pic>
+        <p:nvPicPr>
+          <p:cNvPr id="22" name="Picture 21">
+            <a:extLst>
+              <a:ext uri="{FF2B5EF4-FFF2-40B4-BE49-F238E27FC236}">
+                <a16:creationId xmlns:a16="http://schemas.microsoft.com/office/drawing/2014/main" id="{DBC352F5-0614-4080-8045-2FEE876EEA37}"/>
+              </a:ext>
+            </a:extLst>
+          </p:cNvPr>
+          <p:cNvPicPr>
+            <a:picLocks noChangeAspect="1"/>
+          </p:cNvPicPr>
+          <p:nvPr/>
+        </p:nvPicPr>
+        <p:blipFill rotWithShape="1">
+          <a:blip r:embed="rId9"/>
+          <a:srcRect l="38866" t="43448" r="22887" b="17147"/>
+          <a:stretch/>
+        </p:blipFill>
+        <p:spPr>
+          <a:xfrm>
+            <a:off x="6161309" y="1109227"/>
+            <a:ext cx="2971800" cy="1722202"/>
+          </a:xfrm>
+          <a:prstGeom prst="rect">
+            <a:avLst/>
+          </a:prstGeom>
+        </p:spPr>
+      </p:pic>
     </p:spTree>
     <p:extLst>
       <p:ext uri="{BB962C8B-B14F-4D97-AF65-F5344CB8AC3E}">
-        <p14:creationId xmlns:p14="http://schemas.microsoft.com/office/powerpoint/2010/main" val="3804413994"/>
+        <p14:creationId xmlns:p14="http://schemas.microsoft.com/office/powerpoint/2010/main" val="3701698064"/>
       </p:ext>
     </p:extLst>
   </p:cSld>
@@ -3650,6 +4045,72 @@
 </file>
 
 <file path=ppt/slides/slide11.xml><?xml version="1.0" encoding="utf-8"?>
+<p:sld xmlns:a="http://schemas.openxmlformats.org/drawingml/2006/main" xmlns:r="http://schemas.openxmlformats.org/officeDocument/2006/relationships" xmlns:p="http://schemas.openxmlformats.org/presentationml/2006/main">
+  <p:cSld>
+    <p:spTree>
+      <p:nvGrpSpPr>
+        <p:cNvPr id="1" name=""/>
+        <p:cNvGrpSpPr/>
+        <p:nvPr/>
+      </p:nvGrpSpPr>
+      <p:grpSpPr>
+        <a:xfrm>
+          <a:off x="0" y="0"/>
+          <a:ext cx="0" cy="0"/>
+          <a:chOff x="0" y="0"/>
+          <a:chExt cx="0" cy="0"/>
+        </a:xfrm>
+      </p:grpSpPr>
+      <p:pic>
+        <p:nvPicPr>
+          <p:cNvPr id="5" name="Picture 4" descr="A close up of a map&#10;&#10;Description automatically generated">
+            <a:extLst>
+              <a:ext uri="{FF2B5EF4-FFF2-40B4-BE49-F238E27FC236}">
+                <a16:creationId xmlns:a16="http://schemas.microsoft.com/office/drawing/2014/main" id="{35639415-790A-4CFC-9A23-5EC27FBD1226}"/>
+              </a:ext>
+            </a:extLst>
+          </p:cNvPr>
+          <p:cNvPicPr>
+            <a:picLocks noChangeAspect="1"/>
+          </p:cNvPicPr>
+          <p:nvPr/>
+        </p:nvPicPr>
+        <p:blipFill>
+          <a:blip r:embed="rId2">
+            <a:extLst>
+              <a:ext uri="{28A0092B-C50C-407E-A947-70E740481C1C}">
+                <a14:useLocalDpi xmlns:a14="http://schemas.microsoft.com/office/drawing/2010/main" val="0"/>
+              </a:ext>
+            </a:extLst>
+          </a:blip>
+          <a:stretch>
+            <a:fillRect/>
+          </a:stretch>
+        </p:blipFill>
+        <p:spPr>
+          <a:xfrm>
+            <a:off x="8467" y="1905000"/>
+            <a:ext cx="9144000" cy="5080000"/>
+          </a:xfrm>
+          <a:prstGeom prst="rect">
+            <a:avLst/>
+          </a:prstGeom>
+        </p:spPr>
+      </p:pic>
+    </p:spTree>
+    <p:extLst>
+      <p:ext uri="{BB962C8B-B14F-4D97-AF65-F5344CB8AC3E}">
+        <p14:creationId xmlns:p14="http://schemas.microsoft.com/office/powerpoint/2010/main" val="2099933396"/>
+      </p:ext>
+    </p:extLst>
+  </p:cSld>
+  <p:clrMapOvr>
+    <a:masterClrMapping/>
+  </p:clrMapOvr>
+</p:sld>
+</file>
+
+<file path=ppt/slides/slide12.xml><?xml version="1.0" encoding="utf-8"?>
 <p:sld xmlns:a="http://schemas.openxmlformats.org/drawingml/2006/main" xmlns:r="http://schemas.openxmlformats.org/officeDocument/2006/relationships" xmlns:p="http://schemas.openxmlformats.org/presentationml/2006/main">
   <p:cSld>
     <p:spTree>
@@ -3690,18 +4151,19 @@
           <a:lstStyle/>
           <a:p>
             <a:r>
-              <a:rPr lang="de-DE" dirty="0"/>
-              <a:t>Fazit</a:t>
+              <a:rPr lang="de-DE" dirty="0" err="1"/>
+              <a:t>Conclusion</a:t>
             </a:r>
+            <a:endParaRPr lang="de-DE" dirty="0"/>
           </a:p>
         </p:txBody>
       </p:sp>
       <p:sp>
         <p:nvSpPr>
-          <p:cNvPr id="3" name="Rounded Rectangle 8">
+          <p:cNvPr id="4" name="Rectangle 3">
             <a:extLst>
               <a:ext uri="{FF2B5EF4-FFF2-40B4-BE49-F238E27FC236}">
-                <a16:creationId xmlns:a16="http://schemas.microsoft.com/office/drawing/2014/main" id="{B7CF4015-48E2-684A-9EE7-8C3CDF44496C}"/>
+                <a16:creationId xmlns:a16="http://schemas.microsoft.com/office/drawing/2014/main" id="{A29E0D7B-9919-49DB-8754-0B42D1E0F34E}"/>
               </a:ext>
             </a:extLst>
           </p:cNvPr>
@@ -3710,25 +4172,15 @@
         </p:nvSpPr>
         <p:spPr>
           <a:xfrm>
-            <a:off x="325526" y="4114800"/>
-            <a:ext cx="3789274" cy="2438400"/>
+            <a:off x="381001" y="1219200"/>
+            <a:ext cx="5029199" cy="5224618"/>
           </a:xfrm>
-          <a:prstGeom prst="roundRect">
+          <a:prstGeom prst="rect">
             <a:avLst/>
           </a:prstGeom>
-          <a:solidFill>
-            <a:schemeClr val="tx2">
-              <a:lumMod val="20000"/>
-              <a:lumOff val="80000"/>
-            </a:schemeClr>
-          </a:solidFill>
+          <a:noFill/>
           <a:ln>
-            <a:solidFill>
-              <a:schemeClr val="accent1">
-                <a:lumMod val="20000"/>
-                <a:lumOff val="80000"/>
-              </a:schemeClr>
-            </a:solidFill>
+            <a:noFill/>
           </a:ln>
         </p:spPr>
         <p:style>
@@ -3748,34 +4200,158 @@
           </a:fontRef>
         </p:style>
         <p:txBody>
-          <a:bodyPr rtlCol="0" anchor="ctr"/>
+          <a:bodyPr rtlCol="0" anchor="t"/>
           <a:lstStyle/>
           <a:p>
-            <a:pPr marL="285750" indent="-285750" algn="ctr">
+            <a:r>
+              <a:rPr lang="en-US" b="1" u="sng" dirty="0">
+                <a:solidFill>
+                  <a:schemeClr val="tx1"/>
+                </a:solidFill>
+              </a:rPr>
+              <a:t>General:</a:t>
+            </a:r>
+          </a:p>
+          <a:p>
+            <a:pPr marL="285750" indent="-285750">
               <a:buFont typeface="Arial" panose="020B0604020202020204" pitchFamily="34" charset="0"/>
               <a:buChar char="•"/>
             </a:pPr>
             <a:r>
-              <a:rPr lang="de-DE" dirty="0">
+              <a:rPr lang="en-US" dirty="0">
                 <a:solidFill>
                   <a:schemeClr val="tx1"/>
                 </a:solidFill>
               </a:rPr>
-              <a:t>Voluntary attention can be implemented in the model</a:t>
+              <a:t>We were able to reimplement the model in an object-oriented framework in python </a:t>
             </a:r>
           </a:p>
           <a:p>
-            <a:pPr marL="285750" indent="-285750" algn="ctr">
+            <a:endParaRPr lang="en-US" b="1" u="sng" dirty="0">
+              <a:solidFill>
+                <a:schemeClr val="tx1"/>
+              </a:solidFill>
+            </a:endParaRPr>
+          </a:p>
+          <a:p>
+            <a:r>
+              <a:rPr lang="en-US" b="1" u="sng" dirty="0">
+                <a:solidFill>
+                  <a:schemeClr val="tx1"/>
+                </a:solidFill>
+              </a:rPr>
+              <a:t>Model alteration I:</a:t>
+            </a:r>
+            <a:endParaRPr lang="en-DE" b="1" u="sng" dirty="0">
+              <a:solidFill>
+                <a:schemeClr val="tx1"/>
+              </a:solidFill>
+            </a:endParaRPr>
+          </a:p>
+          <a:p>
+            <a:pPr marL="285750" indent="-285750">
               <a:buFont typeface="Arial" panose="020B0604020202020204" pitchFamily="34" charset="0"/>
               <a:buChar char="•"/>
             </a:pPr>
             <a:r>
-              <a:rPr lang="de-DE" dirty="0">
+              <a:rPr lang="en-US" dirty="0">
                 <a:solidFill>
                   <a:schemeClr val="tx1"/>
                 </a:solidFill>
               </a:rPr>
-              <a:t>Conceptual comparision with experimental data suggest that...</a:t>
+              <a:t>Direct excitatory input to attention neurons prolongs dominance durations</a:t>
+            </a:r>
+          </a:p>
+          <a:p>
+            <a:pPr marL="285750" indent="-285750">
+              <a:buFont typeface="Arial" panose="020B0604020202020204" pitchFamily="34" charset="0"/>
+              <a:buChar char="•"/>
+            </a:pPr>
+            <a:r>
+              <a:rPr lang="en-US" dirty="0">
+                <a:solidFill>
+                  <a:schemeClr val="tx1"/>
+                </a:solidFill>
+              </a:rPr>
+              <a:t>For input strengths of &gt; ~12.4% of normal excitatory drive leads to a </a:t>
+            </a:r>
+            <a:r>
+              <a:rPr lang="en-US" b="1" dirty="0">
+                <a:solidFill>
+                  <a:schemeClr val="tx1"/>
+                </a:solidFill>
+              </a:rPr>
+              <a:t>Winner-takes-all </a:t>
+            </a:r>
+            <a:r>
+              <a:rPr lang="en-US" dirty="0">
+                <a:solidFill>
+                  <a:schemeClr val="tx1"/>
+                </a:solidFill>
+              </a:rPr>
+              <a:t>condition</a:t>
+            </a:r>
+          </a:p>
+          <a:p>
+            <a:pPr marL="285750" indent="-285750">
+              <a:buFont typeface="Arial" panose="020B0604020202020204" pitchFamily="34" charset="0"/>
+              <a:buChar char="•"/>
+            </a:pPr>
+            <a:endParaRPr lang="en-US" b="1" u="sng" dirty="0">
+              <a:solidFill>
+                <a:schemeClr val="tx1"/>
+              </a:solidFill>
+            </a:endParaRPr>
+          </a:p>
+          <a:p>
+            <a:r>
+              <a:rPr lang="en-US" b="1" u="sng" dirty="0">
+                <a:solidFill>
+                  <a:schemeClr val="tx1"/>
+                </a:solidFill>
+              </a:rPr>
+              <a:t>Model alteration II:</a:t>
+            </a:r>
+            <a:endParaRPr lang="en-US" dirty="0">
+              <a:solidFill>
+                <a:schemeClr val="tx1"/>
+              </a:solidFill>
+            </a:endParaRPr>
+          </a:p>
+          <a:p>
+            <a:pPr marL="285750" indent="-285750">
+              <a:buFont typeface="Arial" panose="020B0604020202020204" pitchFamily="34" charset="0"/>
+              <a:buChar char="•"/>
+            </a:pPr>
+            <a:r>
+              <a:rPr lang="en-US" dirty="0">
+                <a:solidFill>
+                  <a:schemeClr val="tx1"/>
+                </a:solidFill>
+              </a:rPr>
+              <a:t>Increasing attention weights of sensory neurons reduces dominance duration</a:t>
+            </a:r>
+          </a:p>
+          <a:p>
+            <a:pPr marL="285750" indent="-285750">
+              <a:buFont typeface="Arial" panose="020B0604020202020204" pitchFamily="34" charset="0"/>
+              <a:buChar char="•"/>
+            </a:pPr>
+            <a:r>
+              <a:rPr lang="en-US" dirty="0">
+                <a:solidFill>
+                  <a:schemeClr val="tx1"/>
+                </a:solidFill>
+              </a:rPr>
+              <a:t>Finally, leads to winning in </a:t>
+            </a:r>
+            <a:r>
+              <a:rPr lang="en-US" b="1" dirty="0">
+                <a:solidFill>
+                  <a:schemeClr val="tx1"/>
+                </a:solidFill>
+              </a:rPr>
+              <a:t>Winner-take-all</a:t>
             </a:r>
             <a:endParaRPr lang="en-US" dirty="0">
               <a:solidFill>
@@ -3785,6 +4361,64 @@
           </a:p>
         </p:txBody>
       </p:sp>
+      <p:pic>
+        <p:nvPicPr>
+          <p:cNvPr id="168" name="Picture 167">
+            <a:extLst>
+              <a:ext uri="{FF2B5EF4-FFF2-40B4-BE49-F238E27FC236}">
+                <a16:creationId xmlns:a16="http://schemas.microsoft.com/office/drawing/2014/main" id="{49DE818A-C5F6-4FED-8ACE-782859367C6C}"/>
+              </a:ext>
+            </a:extLst>
+          </p:cNvPr>
+          <p:cNvPicPr>
+            <a:picLocks noChangeAspect="1"/>
+          </p:cNvPicPr>
+          <p:nvPr/>
+        </p:nvPicPr>
+        <p:blipFill rotWithShape="1">
+          <a:blip r:embed="rId2"/>
+          <a:srcRect l="38866" t="38498" r="22887" b="17515"/>
+          <a:stretch/>
+        </p:blipFill>
+        <p:spPr>
+          <a:xfrm>
+            <a:off x="5434553" y="1905000"/>
+            <a:ext cx="3497344" cy="2262433"/>
+          </a:xfrm>
+          <a:prstGeom prst="rect">
+            <a:avLst/>
+          </a:prstGeom>
+        </p:spPr>
+      </p:pic>
+      <p:pic>
+        <p:nvPicPr>
+          <p:cNvPr id="170" name="Picture 169">
+            <a:extLst>
+              <a:ext uri="{FF2B5EF4-FFF2-40B4-BE49-F238E27FC236}">
+                <a16:creationId xmlns:a16="http://schemas.microsoft.com/office/drawing/2014/main" id="{36DD6058-0218-43A2-959C-710A1575B6D9}"/>
+              </a:ext>
+            </a:extLst>
+          </p:cNvPr>
+          <p:cNvPicPr>
+            <a:picLocks noChangeAspect="1"/>
+          </p:cNvPicPr>
+          <p:nvPr/>
+        </p:nvPicPr>
+        <p:blipFill rotWithShape="1">
+          <a:blip r:embed="rId3"/>
+          <a:srcRect l="38866" t="43448" r="22887" b="17147"/>
+          <a:stretch/>
+        </p:blipFill>
+        <p:spPr>
+          <a:xfrm>
+            <a:off x="5434553" y="4417055"/>
+            <a:ext cx="3497344" cy="2026763"/>
+          </a:xfrm>
+          <a:prstGeom prst="rect">
+            <a:avLst/>
+          </a:prstGeom>
+        </p:spPr>
+      </p:pic>
     </p:spTree>
     <p:extLst>
       <p:ext uri="{BB962C8B-B14F-4D97-AF65-F5344CB8AC3E}">
@@ -3798,7 +4432,7 @@
 </p:sld>
 </file>
 
-<file path=ppt/slides/slide12.xml><?xml version="1.0" encoding="utf-8"?>
+<file path=ppt/slides/slide13.xml><?xml version="1.0" encoding="utf-8"?>
 <p:sld xmlns:a="http://schemas.openxmlformats.org/drawingml/2006/main" xmlns:r="http://schemas.openxmlformats.org/officeDocument/2006/relationships" xmlns:p="http://schemas.openxmlformats.org/presentationml/2006/main">
   <p:cSld>
     <p:spTree>
@@ -3859,7 +4493,7 @@
           <p:nvPr/>
         </p:nvPicPr>
         <p:blipFill>
-          <a:blip r:embed="rId3">
+          <a:blip r:embed="rId3" cstate="print">
             <a:extLst>
               <a:ext uri="{28A0092B-C50C-407E-A947-70E740481C1C}">
                 <a14:useLocalDpi xmlns:a14="http://schemas.microsoft.com/office/drawing/2010/main" val="0"/>
@@ -4044,7 +4678,11 @@
           <a:lstStyle/>
           <a:p>
             <a:pPr algn="ctr"/>
-            <a:endParaRPr lang="en-US"/>
+            <a:r>
+              <a:rPr lang="en-GB" dirty="0"/>
+              <a:t>While it has been really interesting to implement a model that goes a lot deeper than I’m used to as a cognitive neuroscientist, the most helpful aspect for me has been the project-based work in a team. It’s been a really enjoyable journey and I take a lot away from it.</a:t>
+            </a:r>
+            <a:endParaRPr lang="en-US" dirty="0"/>
           </a:p>
         </p:txBody>
       </p:sp>
@@ -9647,7 +10285,12 @@
             <p:ph type="title"/>
           </p:nvPr>
         </p:nvSpPr>
-        <p:spPr/>
+        <p:spPr>
+          <a:xfrm>
+            <a:off x="457200" y="152400"/>
+            <a:ext cx="8229600" cy="563562"/>
+          </a:xfrm>
+        </p:spPr>
         <p:txBody>
           <a:bodyPr>
             <a:normAutofit fontScale="90000"/>
@@ -9685,8 +10328,8 @@
         </p:blipFill>
         <p:spPr bwMode="auto">
           <a:xfrm>
-            <a:off x="1766621" y="4495800"/>
-            <a:ext cx="5896213" cy="1965404"/>
+            <a:off x="1766883" y="4501298"/>
+            <a:ext cx="6384307" cy="2128102"/>
           </a:xfrm>
           <a:prstGeom prst="rect">
             <a:avLst/>
@@ -9724,8 +10367,8 @@
         </p:blipFill>
         <p:spPr>
           <a:xfrm>
-            <a:off x="2286000" y="990600"/>
-            <a:ext cx="5029200" cy="2873010"/>
+            <a:off x="1856842" y="800784"/>
+            <a:ext cx="6067958" cy="3466416"/>
           </a:xfrm>
           <a:prstGeom prst="rect">
             <a:avLst/>
@@ -9741,9 +10384,65 @@
           <p:nvPr/>
         </p:nvSpPr>
         <p:spPr>
-          <a:xfrm>
-            <a:off x="685800" y="3943502"/>
-            <a:ext cx="8229600" cy="563562"/>
+          <a:xfrm rot="16200000">
+            <a:off x="-35349" y="5293151"/>
+            <a:ext cx="2432901" cy="533400"/>
+          </a:xfrm>
+          <a:prstGeom prst="rect">
+            <a:avLst/>
+          </a:prstGeom>
+        </p:spPr>
+        <p:txBody>
+          <a:bodyPr vert="horz" lIns="91440" tIns="45720" rIns="91440" bIns="45720" rtlCol="0" anchor="ctr">
+            <a:normAutofit fontScale="97500"/>
+          </a:bodyPr>
+          <a:lstStyle>
+            <a:lvl1pPr algn="ctr" defTabSz="914400" rtl="0" eaLnBrk="1" latinLnBrk="0" hangingPunct="1">
+              <a:spcBef>
+                <a:spcPct val="0"/>
+              </a:spcBef>
+              <a:buNone/>
+              <a:defRPr sz="2800" kern="1200">
+                <a:solidFill>
+                  <a:schemeClr val="tx1"/>
+                </a:solidFill>
+                <a:latin typeface="+mj-lt"/>
+                <a:ea typeface="+mj-ea"/>
+                <a:cs typeface="+mj-cs"/>
+              </a:defRPr>
+            </a:lvl1pPr>
+          </a:lstStyle>
+          <a:p>
+            <a:r>
+              <a:rPr lang="de-DE" b="1" dirty="0" err="1"/>
+              <a:t>Our</a:t>
+            </a:r>
+            <a:r>
+              <a:rPr lang="de-DE" b="1" dirty="0"/>
+              <a:t> Replication</a:t>
+            </a:r>
+            <a:endParaRPr lang="en-US" b="1" dirty="0"/>
+          </a:p>
+        </p:txBody>
+      </p:sp>
+      <p:sp>
+        <p:nvSpPr>
+          <p:cNvPr id="6" name="Title 1">
+            <a:extLst>
+              <a:ext uri="{FF2B5EF4-FFF2-40B4-BE49-F238E27FC236}">
+                <a16:creationId xmlns:a16="http://schemas.microsoft.com/office/drawing/2014/main" id="{8FAB7831-3D40-44BD-BC11-67AE159F439F}"/>
+              </a:ext>
+            </a:extLst>
+          </p:cNvPr>
+          <p:cNvSpPr txBox="1">
+            <a:spLocks/>
+          </p:cNvSpPr>
+          <p:nvPr/>
+        </p:nvSpPr>
+        <p:spPr>
+          <a:xfrm rot="16200000">
+            <a:off x="-342898" y="2324100"/>
+            <a:ext cx="3048000" cy="533400"/>
           </a:xfrm>
           <a:prstGeom prst="rect">
             <a:avLst/>
@@ -9772,9 +10471,117 @@
           <a:p>
             <a:r>
               <a:rPr lang="de-DE" b="1" dirty="0"/>
-              <a:t>Our replication of Fig. 2</a:t>
+              <a:t>Original Publikation</a:t>
             </a:r>
             <a:endParaRPr lang="en-US" b="1" dirty="0"/>
+          </a:p>
+        </p:txBody>
+      </p:sp>
+      <p:sp>
+        <p:nvSpPr>
+          <p:cNvPr id="3" name="Rectangle 2">
+            <a:extLst>
+              <a:ext uri="{FF2B5EF4-FFF2-40B4-BE49-F238E27FC236}">
+                <a16:creationId xmlns:a16="http://schemas.microsoft.com/office/drawing/2014/main" id="{3C9ED49A-8624-4011-873A-F12D4F6EFCD3}"/>
+              </a:ext>
+            </a:extLst>
+          </p:cNvPr>
+          <p:cNvSpPr/>
+          <p:nvPr/>
+        </p:nvSpPr>
+        <p:spPr>
+          <a:xfrm>
+            <a:off x="914401" y="762000"/>
+            <a:ext cx="7252354" cy="3505200"/>
+          </a:xfrm>
+          <a:prstGeom prst="rect">
+            <a:avLst/>
+          </a:prstGeom>
+          <a:noFill/>
+          <a:ln>
+            <a:solidFill>
+              <a:schemeClr val="bg1">
+                <a:lumMod val="65000"/>
+              </a:schemeClr>
+            </a:solidFill>
+          </a:ln>
+        </p:spPr>
+        <p:style>
+          <a:lnRef idx="2">
+            <a:schemeClr val="accent1">
+              <a:shade val="50000"/>
+            </a:schemeClr>
+          </a:lnRef>
+          <a:fillRef idx="1">
+            <a:schemeClr val="accent1"/>
+          </a:fillRef>
+          <a:effectRef idx="0">
+            <a:schemeClr val="accent1"/>
+          </a:effectRef>
+          <a:fontRef idx="minor">
+            <a:schemeClr val="lt1"/>
+          </a:fontRef>
+        </p:style>
+        <p:txBody>
+          <a:bodyPr rtlCol="0" anchor="ctr"/>
+          <a:lstStyle/>
+          <a:p>
+            <a:pPr algn="ctr"/>
+            <a:endParaRPr lang="en-DE"/>
+          </a:p>
+        </p:txBody>
+      </p:sp>
+      <p:sp>
+        <p:nvSpPr>
+          <p:cNvPr id="8" name="Rectangle 7">
+            <a:extLst>
+              <a:ext uri="{FF2B5EF4-FFF2-40B4-BE49-F238E27FC236}">
+                <a16:creationId xmlns:a16="http://schemas.microsoft.com/office/drawing/2014/main" id="{19C743A7-6D2E-408A-AA8A-035BA297DBFF}"/>
+              </a:ext>
+            </a:extLst>
+          </p:cNvPr>
+          <p:cNvSpPr/>
+          <p:nvPr/>
+        </p:nvSpPr>
+        <p:spPr>
+          <a:xfrm>
+            <a:off x="914400" y="4343400"/>
+            <a:ext cx="7252354" cy="2432902"/>
+          </a:xfrm>
+          <a:prstGeom prst="rect">
+            <a:avLst/>
+          </a:prstGeom>
+          <a:noFill/>
+          <a:ln>
+            <a:solidFill>
+              <a:schemeClr val="bg1">
+                <a:lumMod val="65000"/>
+              </a:schemeClr>
+            </a:solidFill>
+          </a:ln>
+        </p:spPr>
+        <p:style>
+          <a:lnRef idx="2">
+            <a:schemeClr val="accent1">
+              <a:shade val="50000"/>
+            </a:schemeClr>
+          </a:lnRef>
+          <a:fillRef idx="1">
+            <a:schemeClr val="accent1"/>
+          </a:fillRef>
+          <a:effectRef idx="0">
+            <a:schemeClr val="accent1"/>
+          </a:effectRef>
+          <a:fontRef idx="minor">
+            <a:schemeClr val="lt1"/>
+          </a:fontRef>
+        </p:style>
+        <p:txBody>
+          <a:bodyPr rtlCol="0" anchor="ctr"/>
+          <a:lstStyle/>
+          <a:p>
+            <a:pPr algn="ctr"/>
+            <a:endParaRPr lang="en-DE"/>
           </a:p>
         </p:txBody>
       </p:sp>
@@ -15683,7 +16490,7 @@
         </p:spPr>
         <p:txBody>
           <a:bodyPr>
-            <a:normAutofit fontScale="90000"/>
+            <a:normAutofit/>
           </a:bodyPr>
           <a:lstStyle/>
           <a:p>
@@ -15695,12 +16502,20 @@
               <a:rPr lang="en-DE" b="1" dirty="0"/>
             </a:br>
             <a:r>
-              <a:rPr lang="de-DE" b="1" dirty="0" err="1"/>
-              <a:t>Voluntary</a:t>
+              <a:rPr lang="en-US" b="1" dirty="0"/>
+              <a:t>E</a:t>
             </a:r>
             <a:r>
-              <a:rPr lang="de-DE" b="1" dirty="0"/>
+              <a:rPr lang="en-DE" b="1" dirty="0" err="1"/>
+              <a:t>xternal</a:t>
+            </a:r>
+            <a:r>
+              <a:rPr lang="en-DE" b="1" dirty="0"/>
               <a:t> </a:t>
+            </a:r>
+            <a:r>
+              <a:rPr lang="en-US" b="1" dirty="0"/>
+              <a:t>input to </a:t>
             </a:r>
             <a:r>
               <a:rPr lang="de-DE" b="1" dirty="0" err="1"/>
@@ -15712,35 +16527,7 @@
             </a:r>
             <a:r>
               <a:rPr lang="de-DE" b="1" dirty="0" err="1"/>
-              <a:t>as</a:t>
-            </a:r>
-            <a:r>
-              <a:rPr lang="de-DE" b="1" dirty="0"/>
-              <a:t> </a:t>
-            </a:r>
-            <a:r>
-              <a:rPr lang="de-DE" b="1" dirty="0" err="1"/>
-              <a:t>facilitation</a:t>
-            </a:r>
-            <a:r>
-              <a:rPr lang="de-DE" b="1" dirty="0"/>
-              <a:t> </a:t>
-            </a:r>
-            <a:r>
-              <a:rPr lang="en-DE" b="1" dirty="0"/>
-              <a:t>by external </a:t>
-            </a:r>
-            <a:r>
-              <a:rPr lang="de-DE" b="1" dirty="0" err="1"/>
-              <a:t>attentional</a:t>
-            </a:r>
-            <a:r>
-              <a:rPr lang="de-DE" b="1" dirty="0"/>
-              <a:t> </a:t>
-            </a:r>
-            <a:r>
-              <a:rPr lang="de-DE" b="1" dirty="0" err="1"/>
-              <a:t>drive</a:t>
+              <a:t>population</a:t>
             </a:r>
             <a:endParaRPr lang="en-DE" dirty="0"/>
           </a:p>
@@ -15842,120 +16629,6 @@
           </a:fontRef>
         </p:style>
       </p:cxnSp>
-      <p:sp>
-        <p:nvSpPr>
-          <p:cNvPr id="23" name="Rectangle 22">
-            <a:extLst>
-              <a:ext uri="{FF2B5EF4-FFF2-40B4-BE49-F238E27FC236}">
-                <a16:creationId xmlns:a16="http://schemas.microsoft.com/office/drawing/2014/main" id="{85D08760-A6A0-47E5-88C5-E4B104041E37}"/>
-              </a:ext>
-            </a:extLst>
-          </p:cNvPr>
-          <p:cNvSpPr/>
-          <p:nvPr/>
-        </p:nvSpPr>
-        <p:spPr>
-          <a:xfrm>
-            <a:off x="9144000" y="185897"/>
-            <a:ext cx="4572000" cy="923330"/>
-          </a:xfrm>
-          <a:prstGeom prst="rect">
-            <a:avLst/>
-          </a:prstGeom>
-        </p:spPr>
-        <p:txBody>
-          <a:bodyPr>
-            <a:spAutoFit/>
-          </a:bodyPr>
-          <a:lstStyle/>
-          <a:p>
-            <a:r>
-              <a:rPr lang="en-DE" b="1" dirty="0"/>
-              <a:t>Model Alteration I:</a:t>
-            </a:r>
-            <a:br>
-              <a:rPr lang="en-DE" b="1" dirty="0"/>
-            </a:br>
-            <a:r>
-              <a:rPr lang="de-DE" b="1" dirty="0" err="1"/>
-              <a:t>Voluntary</a:t>
-            </a:r>
-            <a:r>
-              <a:rPr lang="de-DE" b="1" dirty="0"/>
-              <a:t> </a:t>
-            </a:r>
-            <a:r>
-              <a:rPr lang="de-DE" b="1" dirty="0" err="1"/>
-              <a:t>attention</a:t>
-            </a:r>
-            <a:r>
-              <a:rPr lang="de-DE" b="1" dirty="0"/>
-              <a:t> </a:t>
-            </a:r>
-            <a:r>
-              <a:rPr lang="de-DE" b="1" dirty="0" err="1"/>
-              <a:t>as</a:t>
-            </a:r>
-            <a:r>
-              <a:rPr lang="de-DE" b="1" dirty="0"/>
-              <a:t> </a:t>
-            </a:r>
-            <a:r>
-              <a:rPr lang="de-DE" b="1" dirty="0" err="1"/>
-              <a:t>facilitation</a:t>
-            </a:r>
-            <a:r>
-              <a:rPr lang="de-DE" b="1" dirty="0"/>
-              <a:t> &amp; </a:t>
-            </a:r>
-            <a:r>
-              <a:rPr lang="de-DE" b="1" dirty="0" err="1"/>
-              <a:t>suppression</a:t>
-            </a:r>
-            <a:r>
-              <a:rPr lang="de-DE" b="1" dirty="0"/>
-              <a:t> </a:t>
-            </a:r>
-            <a:r>
-              <a:rPr lang="de-DE" b="1" dirty="0" err="1"/>
-              <a:t>of</a:t>
-            </a:r>
-            <a:r>
-              <a:rPr lang="de-DE" b="1" dirty="0"/>
-              <a:t> </a:t>
-            </a:r>
-            <a:r>
-              <a:rPr lang="de-DE" b="1" dirty="0" err="1"/>
-              <a:t>the</a:t>
-            </a:r>
-            <a:r>
-              <a:rPr lang="de-DE" b="1" dirty="0"/>
-              <a:t> </a:t>
-            </a:r>
-            <a:r>
-              <a:rPr lang="de-DE" b="1" dirty="0" err="1"/>
-              <a:t>excitatory</a:t>
-            </a:r>
-            <a:r>
-              <a:rPr lang="de-DE" b="1" dirty="0"/>
-              <a:t> </a:t>
-            </a:r>
-            <a:r>
-              <a:rPr lang="de-DE" b="1" dirty="0" err="1"/>
-              <a:t>attentional</a:t>
-            </a:r>
-            <a:r>
-              <a:rPr lang="de-DE" b="1" dirty="0"/>
-              <a:t> </a:t>
-            </a:r>
-            <a:r>
-              <a:rPr lang="de-DE" b="1" dirty="0" err="1"/>
-              <a:t>drive</a:t>
-            </a:r>
-            <a:endParaRPr lang="en-DE" dirty="0"/>
-          </a:p>
-        </p:txBody>
-      </p:sp>
     </p:spTree>
     <p:extLst>
       <p:ext uri="{BB962C8B-B14F-4D97-AF65-F5344CB8AC3E}">
@@ -15970,7 +16643,7 @@
 </file>
 
 <file path=ppt/slides/slide7.xml><?xml version="1.0" encoding="utf-8"?>
-<p:sld xmlns:a="http://schemas.openxmlformats.org/drawingml/2006/main" xmlns:r="http://schemas.openxmlformats.org/officeDocument/2006/relationships" xmlns:p="http://schemas.openxmlformats.org/presentationml/2006/main">
+<p:sld xmlns:a="http://schemas.openxmlformats.org/drawingml/2006/main" xmlns:r="http://schemas.openxmlformats.org/officeDocument/2006/relationships" xmlns:p="http://schemas.openxmlformats.org/presentationml/2006/main" show="0">
   <p:cSld>
     <p:spTree>
       <p:nvGrpSpPr>
@@ -16292,12 +16965,20 @@
               <a:rPr lang="en-DE" b="1" dirty="0"/>
             </a:br>
             <a:r>
-              <a:rPr lang="de-DE" b="1" dirty="0" err="1"/>
-              <a:t>Voluntary</a:t>
+              <a:rPr lang="en-US" b="1" dirty="0"/>
+              <a:t>E</a:t>
             </a:r>
             <a:r>
-              <a:rPr lang="de-DE" b="1" dirty="0"/>
+              <a:rPr lang="en-DE" b="1" dirty="0" err="1"/>
+              <a:t>xternal</a:t>
+            </a:r>
+            <a:r>
+              <a:rPr lang="en-DE" b="1" dirty="0"/>
               <a:t> </a:t>
+            </a:r>
+            <a:r>
+              <a:rPr lang="en-US" b="1" dirty="0"/>
+              <a:t>input to </a:t>
             </a:r>
             <a:r>
               <a:rPr lang="de-DE" b="1" dirty="0" err="1"/>
@@ -16309,27 +16990,7 @@
             </a:r>
             <a:r>
               <a:rPr lang="de-DE" b="1" dirty="0" err="1"/>
-              <a:t>as</a:t>
-            </a:r>
-            <a:r>
-              <a:rPr lang="de-DE" b="1" dirty="0"/>
-              <a:t> </a:t>
-            </a:r>
-            <a:r>
-              <a:rPr lang="en-DE" b="1"/>
-              <a:t>external </a:t>
-            </a:r>
-            <a:r>
-              <a:rPr lang="de-DE" b="1" dirty="0" err="1"/>
-              <a:t>attentional</a:t>
-            </a:r>
-            <a:r>
-              <a:rPr lang="de-DE" b="1" dirty="0"/>
-              <a:t> </a:t>
-            </a:r>
-            <a:r>
-              <a:rPr lang="de-DE" b="1" dirty="0" err="1"/>
-              <a:t>drive</a:t>
+              <a:t>population</a:t>
             </a:r>
             <a:endParaRPr lang="en-DE" dirty="0"/>
           </a:p>
@@ -16377,8 +17038,8 @@
           </a:p>
         </p:txBody>
       </p:sp>
-      <mc:AlternateContent xmlns:mc="http://schemas.openxmlformats.org/markup-compatibility/2006">
-        <mc:Choice xmlns:a14="http://schemas.microsoft.com/office/drawing/2010/main" Requires="a14">
+      <mc:AlternateContent xmlns:mc="http://schemas.openxmlformats.org/markup-compatibility/2006" xmlns:a14="http://schemas.microsoft.com/office/drawing/2010/main">
+        <mc:Choice Requires="a14">
           <p:sp>
             <p:nvSpPr>
               <p:cNvPr id="17" name="TextBox 11">
@@ -16515,7 +17176,7 @@
             </p:txBody>
           </p:sp>
         </mc:Choice>
-        <mc:Fallback>
+        <mc:Fallback xmlns="">
           <p:sp>
             <p:nvSpPr>
               <p:cNvPr id="17" name="TextBox 11">
@@ -16560,8 +17221,8 @@
           </p:sp>
         </mc:Fallback>
       </mc:AlternateContent>
-      <mc:AlternateContent xmlns:mc="http://schemas.openxmlformats.org/markup-compatibility/2006">
-        <mc:Choice xmlns:a14="http://schemas.microsoft.com/office/drawing/2010/main" Requires="a14">
+      <mc:AlternateContent xmlns:mc="http://schemas.openxmlformats.org/markup-compatibility/2006" xmlns:a14="http://schemas.microsoft.com/office/drawing/2010/main">
+        <mc:Choice Requires="a14">
           <p:sp>
             <p:nvSpPr>
               <p:cNvPr id="18" name="TextBox 12">
@@ -16698,7 +17359,7 @@
             </p:txBody>
           </p:sp>
         </mc:Choice>
-        <mc:Fallback>
+        <mc:Fallback xmlns="">
           <p:sp>
             <p:nvSpPr>
               <p:cNvPr id="18" name="TextBox 12">
@@ -16931,18 +17592,13 @@
           <a:lstStyle/>
           <a:p>
             <a:r>
-              <a:rPr lang="en-DE" b="1" u="sng">
+              <a:rPr lang="en-DE" b="1" u="sng" dirty="0">
                 <a:solidFill>
                   <a:schemeClr val="tx1"/>
                 </a:solidFill>
               </a:rPr>
               <a:t>Conclusion</a:t>
             </a:r>
-            <a:endParaRPr lang="en-DE" b="1" u="sng" dirty="0">
-              <a:solidFill>
-                <a:schemeClr val="tx1"/>
-              </a:solidFill>
-            </a:endParaRPr>
           </a:p>
           <a:p>
             <a:r>
@@ -16992,7 +17648,7 @@
               <a:t>longer </a:t>
             </a:r>
             <a:r>
-              <a:rPr lang="en-DE">
+              <a:rPr lang="en-DE" dirty="0">
                 <a:solidFill>
                   <a:schemeClr val="tx1"/>
                 </a:solidFill>
@@ -17084,7 +17740,7 @@
               <a:t>Effect spreads </a:t>
             </a:r>
             <a:r>
-              <a:rPr lang="en-DE">
+              <a:rPr lang="en-DE" dirty="0">
                 <a:solidFill>
                   <a:schemeClr val="tx1"/>
                 </a:solidFill>
@@ -17266,8 +17922,8 @@
           </a:p>
         </p:txBody>
       </p:sp>
-      <mc:AlternateContent xmlns:mc="http://schemas.openxmlformats.org/markup-compatibility/2006">
-        <mc:Choice xmlns:a14="http://schemas.microsoft.com/office/drawing/2010/main" Requires="a14">
+      <mc:AlternateContent xmlns:mc="http://schemas.openxmlformats.org/markup-compatibility/2006" xmlns:a14="http://schemas.microsoft.com/office/drawing/2010/main">
+        <mc:Choice Requires="a14">
           <p:sp>
             <p:nvSpPr>
               <p:cNvPr id="12" name="TextBox 11"/>
@@ -17398,7 +18054,7 @@
             </p:txBody>
           </p:sp>
         </mc:Choice>
-        <mc:Fallback>
+        <mc:Fallback xmlns="">
           <p:sp>
             <p:nvSpPr>
               <p:cNvPr id="12" name="TextBox 11"/>
@@ -17437,8 +18093,8 @@
           </p:sp>
         </mc:Fallback>
       </mc:AlternateContent>
-      <mc:AlternateContent xmlns:mc="http://schemas.openxmlformats.org/markup-compatibility/2006">
-        <mc:Choice xmlns:a14="http://schemas.microsoft.com/office/drawing/2010/main" Requires="a14">
+      <mc:AlternateContent xmlns:mc="http://schemas.openxmlformats.org/markup-compatibility/2006" xmlns:a14="http://schemas.microsoft.com/office/drawing/2010/main">
+        <mc:Choice Requires="a14">
           <p:sp>
             <p:nvSpPr>
               <p:cNvPr id="13" name="TextBox 12"/>
@@ -17569,7 +18225,7 @@
             </p:txBody>
           </p:sp>
         </mc:Choice>
-        <mc:Fallback>
+        <mc:Fallback xmlns="">
           <p:sp>
             <p:nvSpPr>
               <p:cNvPr id="13" name="TextBox 12"/>
@@ -17692,7 +18348,7 @@
         </p:nvSpPr>
         <p:spPr>
           <a:xfrm>
-            <a:off x="9525000" y="5791200"/>
+            <a:off x="9413775" y="2079396"/>
             <a:ext cx="2819400" cy="4191000"/>
           </a:xfrm>
           <a:prstGeom prst="rect">
@@ -17806,12 +18462,20 @@
               <a:rPr lang="en-DE" b="1" dirty="0"/>
             </a:br>
             <a:r>
-              <a:rPr lang="de-DE" b="1" dirty="0" err="1"/>
-              <a:t>Voluntary</a:t>
+              <a:rPr lang="en-US" b="1" dirty="0"/>
+              <a:t>E</a:t>
             </a:r>
             <a:r>
-              <a:rPr lang="de-DE" b="1" dirty="0"/>
+              <a:rPr lang="en-DE" b="1" dirty="0" err="1"/>
+              <a:t>xternal</a:t>
+            </a:r>
+            <a:r>
+              <a:rPr lang="en-DE" b="1" dirty="0"/>
               <a:t> </a:t>
+            </a:r>
+            <a:r>
+              <a:rPr lang="en-US" b="1" dirty="0"/>
+              <a:t>input to </a:t>
             </a:r>
             <a:r>
               <a:rPr lang="de-DE" b="1" dirty="0" err="1"/>
@@ -17823,27 +18487,7 @@
             </a:r>
             <a:r>
               <a:rPr lang="de-DE" b="1" dirty="0" err="1"/>
-              <a:t>as</a:t>
-            </a:r>
-            <a:r>
-              <a:rPr lang="de-DE" b="1" dirty="0"/>
-              <a:t> </a:t>
-            </a:r>
-            <a:r>
-              <a:rPr lang="en-DE" b="1"/>
-              <a:t>external </a:t>
-            </a:r>
-            <a:r>
-              <a:rPr lang="de-DE" b="1" dirty="0" err="1"/>
-              <a:t>attentional</a:t>
-            </a:r>
-            <a:r>
-              <a:rPr lang="de-DE" b="1" dirty="0"/>
-              <a:t> </a:t>
-            </a:r>
-            <a:r>
-              <a:rPr lang="de-DE" b="1" dirty="0" err="1"/>
-              <a:t>drive</a:t>
+              <a:t>population</a:t>
             </a:r>
             <a:endParaRPr lang="en-DE" dirty="0"/>
           </a:p>
@@ -17891,8 +18535,8 @@
         </p:nvSpPr>
         <p:spPr>
           <a:xfrm>
-            <a:off x="0" y="-7366"/>
-            <a:ext cx="9144000" cy="1127570"/>
+            <a:off x="0" y="-7367"/>
+            <a:ext cx="9144000" cy="1191099"/>
           </a:xfrm>
         </p:spPr>
         <p:txBody>
@@ -17902,57 +18546,41 @@
           <a:lstStyle/>
           <a:p>
             <a:r>
-              <a:rPr lang="en-DE" sz="2400" b="1" dirty="0"/>
+              <a:rPr lang="en-DE" b="1" dirty="0"/>
               <a:t>Model Alteration I</a:t>
             </a:r>
             <a:r>
-              <a:rPr lang="en-US" sz="2400" b="1" dirty="0"/>
+              <a:rPr lang="en-US" b="1" dirty="0"/>
               <a:t>I</a:t>
             </a:r>
             <a:r>
-              <a:rPr lang="en-DE" sz="2400" b="1" dirty="0"/>
+              <a:rPr lang="en-DE" b="1" dirty="0"/>
               <a:t>: </a:t>
             </a:r>
             <a:br>
-              <a:rPr lang="en-US" sz="2400" b="1" dirty="0"/>
+              <a:rPr lang="en-US" b="1" dirty="0"/>
             </a:br>
             <a:r>
-              <a:rPr lang="de-DE" sz="2400" b="1" dirty="0" err="1"/>
-              <a:t>Voluntary</a:t>
+              <a:rPr lang="de-DE" b="1" dirty="0" err="1"/>
+              <a:t>Changing</a:t>
             </a:r>
             <a:r>
-              <a:rPr lang="de-DE" sz="2400" b="1" dirty="0"/>
-              <a:t> attention as </a:t>
-            </a:r>
-            <a:r>
-              <a:rPr lang="de-DE" sz="2400" b="1" dirty="0" err="1"/>
-              <a:t>facilitation</a:t>
-            </a:r>
-            <a:r>
-              <a:rPr lang="de-DE" sz="2400" b="1" dirty="0"/>
+              <a:rPr lang="de-DE" b="1" dirty="0"/>
               <a:t> </a:t>
             </a:r>
             <a:r>
-              <a:rPr lang="de-DE" sz="2400" b="1" dirty="0" err="1"/>
-              <a:t>altering</a:t>
+              <a:rPr lang="de-DE" b="1" dirty="0" err="1"/>
+              <a:t>attention</a:t>
             </a:r>
             <a:r>
-              <a:rPr lang="de-DE" sz="2400" b="1" dirty="0"/>
+              <a:rPr lang="de-DE" b="1" dirty="0"/>
               <a:t> </a:t>
             </a:r>
             <a:r>
-              <a:rPr lang="de-DE" sz="2400" b="1" dirty="0" err="1"/>
-              <a:t>attention</a:t>
+              <a:rPr lang="de-DE" b="1" dirty="0" err="1"/>
+              <a:t>weight</a:t>
             </a:r>
-            <a:r>
-              <a:rPr lang="de-DE" sz="2400" b="1" dirty="0"/>
-              <a:t> </a:t>
-            </a:r>
-            <a:r>
-              <a:rPr lang="de-DE" sz="2400" b="1" dirty="0" err="1"/>
-              <a:t>weights</a:t>
-            </a:r>
-            <a:endParaRPr lang="en-US" sz="2400" b="1" dirty="0">
+            <a:endParaRPr lang="en-US" b="1" dirty="0">
               <a:solidFill>
                 <a:srgbClr val="FF0000"/>
               </a:solidFill>
@@ -23321,8 +23949,8 @@
           </a:p>
         </p:txBody>
       </p:sp>
-      <mc:AlternateContent xmlns:mc="http://schemas.openxmlformats.org/markup-compatibility/2006">
-        <mc:Choice xmlns:a14="http://schemas.microsoft.com/office/drawing/2010/main" Requires="a14">
+      <mc:AlternateContent xmlns:mc="http://schemas.openxmlformats.org/markup-compatibility/2006" xmlns:a14="http://schemas.microsoft.com/office/drawing/2010/main">
+        <mc:Choice Requires="a14">
           <p:sp>
             <p:nvSpPr>
               <p:cNvPr id="455" name="TextBox 454"/>
@@ -23415,13 +24043,7 @@
                             <a:rPr lang="de-DE" sz="1600" b="0" i="1" smtClean="0">
                               <a:latin typeface="Cambria Math"/>
                             </a:rPr>
-                            <m:t>𝑤𝑜𝑜</m:t>
-                          </m:r>
-                          <m:r>
-                            <a:rPr lang="de-DE" sz="1600" b="0" i="1" smtClean="0">
-                              <a:latin typeface="Cambria Math"/>
-                            </a:rPr>
-                            <m:t>𝑟</m:t>
+                            <m:t>𝑤𝑜𝑜𝑟</m:t>
                           </m:r>
                         </m:e>
                       </m:d>
@@ -23510,7 +24132,7 @@
             </p:txBody>
           </p:sp>
         </mc:Choice>
-        <mc:Fallback>
+        <mc:Fallback xmlns="">
           <p:sp>
             <p:nvSpPr>
               <p:cNvPr id="455" name="TextBox 454"/>
